--- a/Revisions/01_02_03_Modelisation_Activation/images/Figures.pptx
+++ b/Revisions/01_02_03_Modelisation_Activation/images/Figures.pptx
@@ -5,13 +5,14 @@
     <p:sldMasterId id="2147483648" r:id="rId1"/>
   </p:sldMasterIdLst>
   <p:sldIdLst>
-    <p:sldId id="256" r:id="rId2"/>
-    <p:sldId id="257" r:id="rId3"/>
-    <p:sldId id="261" r:id="rId4"/>
-    <p:sldId id="262" r:id="rId5"/>
-    <p:sldId id="259" r:id="rId6"/>
-    <p:sldId id="258" r:id="rId7"/>
-    <p:sldId id="263" r:id="rId8"/>
+    <p:sldId id="264" r:id="rId2"/>
+    <p:sldId id="256" r:id="rId3"/>
+    <p:sldId id="257" r:id="rId4"/>
+    <p:sldId id="261" r:id="rId5"/>
+    <p:sldId id="262" r:id="rId6"/>
+    <p:sldId id="259" r:id="rId7"/>
+    <p:sldId id="258" r:id="rId8"/>
+    <p:sldId id="263" r:id="rId9"/>
   </p:sldIdLst>
   <p:sldSz cx="9144000" cy="6858000" type="screen4x3"/>
   <p:notesSz cx="6858000" cy="9144000"/>
@@ -294,7 +295,7 @@
           <a:p>
             <a:fld id="{AA309A6D-C09C-4548-B29A-6CF363A7E532}" type="datetimeFigureOut">
               <a:rPr lang="fr-FR" smtClean="0"/>
-              <a:t>30/03/2018</a:t>
+              <a:t>19/06/2018</a:t>
             </a:fld>
             <a:endParaRPr lang="fr-BE"/>
           </a:p>
@@ -459,7 +460,7 @@
           <a:p>
             <a:fld id="{AA309A6D-C09C-4548-B29A-6CF363A7E532}" type="datetimeFigureOut">
               <a:rPr lang="fr-FR" smtClean="0"/>
-              <a:t>30/03/2018</a:t>
+              <a:t>19/06/2018</a:t>
             </a:fld>
             <a:endParaRPr lang="fr-BE"/>
           </a:p>
@@ -634,7 +635,7 @@
           <a:p>
             <a:fld id="{AA309A6D-C09C-4548-B29A-6CF363A7E532}" type="datetimeFigureOut">
               <a:rPr lang="fr-FR" smtClean="0"/>
-              <a:t>30/03/2018</a:t>
+              <a:t>19/06/2018</a:t>
             </a:fld>
             <a:endParaRPr lang="fr-BE"/>
           </a:p>
@@ -799,7 +800,7 @@
           <a:p>
             <a:fld id="{AA309A6D-C09C-4548-B29A-6CF363A7E532}" type="datetimeFigureOut">
               <a:rPr lang="fr-FR" smtClean="0"/>
-              <a:t>30/03/2018</a:t>
+              <a:t>19/06/2018</a:t>
             </a:fld>
             <a:endParaRPr lang="fr-BE"/>
           </a:p>
@@ -1040,7 +1041,7 @@
           <a:p>
             <a:fld id="{AA309A6D-C09C-4548-B29A-6CF363A7E532}" type="datetimeFigureOut">
               <a:rPr lang="fr-FR" smtClean="0"/>
-              <a:t>30/03/2018</a:t>
+              <a:t>19/06/2018</a:t>
             </a:fld>
             <a:endParaRPr lang="fr-BE"/>
           </a:p>
@@ -1323,7 +1324,7 @@
           <a:p>
             <a:fld id="{AA309A6D-C09C-4548-B29A-6CF363A7E532}" type="datetimeFigureOut">
               <a:rPr lang="fr-FR" smtClean="0"/>
-              <a:t>30/03/2018</a:t>
+              <a:t>19/06/2018</a:t>
             </a:fld>
             <a:endParaRPr lang="fr-BE"/>
           </a:p>
@@ -1740,7 +1741,7 @@
           <a:p>
             <a:fld id="{AA309A6D-C09C-4548-B29A-6CF363A7E532}" type="datetimeFigureOut">
               <a:rPr lang="fr-FR" smtClean="0"/>
-              <a:t>30/03/2018</a:t>
+              <a:t>19/06/2018</a:t>
             </a:fld>
             <a:endParaRPr lang="fr-BE"/>
           </a:p>
@@ -1853,7 +1854,7 @@
           <a:p>
             <a:fld id="{AA309A6D-C09C-4548-B29A-6CF363A7E532}" type="datetimeFigureOut">
               <a:rPr lang="fr-FR" smtClean="0"/>
-              <a:t>30/03/2018</a:t>
+              <a:t>19/06/2018</a:t>
             </a:fld>
             <a:endParaRPr lang="fr-BE"/>
           </a:p>
@@ -1943,7 +1944,7 @@
           <a:p>
             <a:fld id="{AA309A6D-C09C-4548-B29A-6CF363A7E532}" type="datetimeFigureOut">
               <a:rPr lang="fr-FR" smtClean="0"/>
-              <a:t>30/03/2018</a:t>
+              <a:t>19/06/2018</a:t>
             </a:fld>
             <a:endParaRPr lang="fr-BE"/>
           </a:p>
@@ -2215,7 +2216,7 @@
           <a:p>
             <a:fld id="{AA309A6D-C09C-4548-B29A-6CF363A7E532}" type="datetimeFigureOut">
               <a:rPr lang="fr-FR" smtClean="0"/>
-              <a:t>30/03/2018</a:t>
+              <a:t>19/06/2018</a:t>
             </a:fld>
             <a:endParaRPr lang="fr-BE"/>
           </a:p>
@@ -2463,7 +2464,7 @@
           <a:p>
             <a:fld id="{AA309A6D-C09C-4548-B29A-6CF363A7E532}" type="datetimeFigureOut">
               <a:rPr lang="fr-FR" smtClean="0"/>
-              <a:t>30/03/2018</a:t>
+              <a:t>19/06/2018</a:t>
             </a:fld>
             <a:endParaRPr lang="fr-BE"/>
           </a:p>
@@ -2671,7 +2672,7 @@
           <a:p>
             <a:fld id="{AA309A6D-C09C-4548-B29A-6CF363A7E532}" type="datetimeFigureOut">
               <a:rPr lang="fr-FR" smtClean="0"/>
-              <a:t>30/03/2018</a:t>
+              <a:t>19/06/2018</a:t>
             </a:fld>
             <a:endParaRPr lang="fr-BE"/>
           </a:p>
@@ -3025,6 +3026,331 @@
 </file>
 
 <file path=ppt/slides/slide1.xml><?xml version="1.0" encoding="utf-8"?>
+<p:sld xmlns:a="http://schemas.openxmlformats.org/drawingml/2006/main" xmlns:r="http://schemas.openxmlformats.org/officeDocument/2006/relationships" xmlns:p="http://schemas.openxmlformats.org/presentationml/2006/main">
+  <p:cSld>
+    <p:spTree>
+      <p:nvGrpSpPr>
+        <p:cNvPr id="1" name=""/>
+        <p:cNvGrpSpPr/>
+        <p:nvPr/>
+      </p:nvGrpSpPr>
+      <p:grpSpPr>
+        <a:xfrm>
+          <a:off x="0" y="0"/>
+          <a:ext cx="0" cy="0"/>
+          <a:chOff x="0" y="0"/>
+          <a:chExt cx="0" cy="0"/>
+        </a:xfrm>
+      </p:grpSpPr>
+      <p:pic>
+        <p:nvPicPr>
+          <p:cNvPr id="1026" name="Picture 2" descr="C:\Enseignement\GitHub\Cy_01_PSI_ModelisationLinNonLin\Revisions\01_02_03_Modelisation_Activation\images\fig_07.png"/>
+          <p:cNvPicPr>
+            <a:picLocks noChangeAspect="1" noChangeArrowheads="1"/>
+          </p:cNvPicPr>
+          <p:nvPr/>
+        </p:nvPicPr>
+        <p:blipFill>
+          <a:blip r:embed="rId2">
+            <a:extLst>
+              <a:ext uri="{28A0092B-C50C-407E-A947-70E740481C1C}">
+                <a14:useLocalDpi xmlns:a14="http://schemas.microsoft.com/office/drawing/2010/main" val="0"/>
+              </a:ext>
+            </a:extLst>
+          </a:blip>
+          <a:srcRect/>
+          <a:stretch>
+            <a:fillRect/>
+          </a:stretch>
+        </p:blipFill>
+        <p:spPr bwMode="auto">
+          <a:xfrm>
+            <a:off x="-17303" y="260648"/>
+            <a:ext cx="8896351" cy="4791075"/>
+          </a:xfrm>
+          <a:prstGeom prst="rect">
+            <a:avLst/>
+          </a:prstGeom>
+          <a:noFill/>
+          <a:extLst>
+            <a:ext uri="{909E8E84-426E-40DD-AFC4-6F175D3DCCD1}">
+              <a14:hiddenFill xmlns:a14="http://schemas.microsoft.com/office/drawing/2010/main">
+                <a:solidFill>
+                  <a:srgbClr val="FFFFFF"/>
+                </a:solidFill>
+              </a14:hiddenFill>
+            </a:ext>
+          </a:extLst>
+        </p:spPr>
+      </p:pic>
+      <p:cxnSp>
+        <p:nvCxnSpPr>
+          <p:cNvPr id="5" name="Connecteur droit 4"/>
+          <p:cNvCxnSpPr/>
+          <p:nvPr/>
+        </p:nvCxnSpPr>
+        <p:spPr>
+          <a:xfrm flipH="1">
+            <a:off x="2843808" y="1772816"/>
+            <a:ext cx="1880592" cy="0"/>
+          </a:xfrm>
+          <a:prstGeom prst="line">
+            <a:avLst/>
+          </a:prstGeom>
+          <a:ln w="38100">
+            <a:solidFill>
+              <a:srgbClr val="00B050"/>
+            </a:solidFill>
+            <a:prstDash val="sysDash"/>
+          </a:ln>
+        </p:spPr>
+        <p:style>
+          <a:lnRef idx="1">
+            <a:schemeClr val="accent1"/>
+          </a:lnRef>
+          <a:fillRef idx="0">
+            <a:schemeClr val="accent1"/>
+          </a:fillRef>
+          <a:effectRef idx="0">
+            <a:schemeClr val="accent1"/>
+          </a:effectRef>
+          <a:fontRef idx="minor">
+            <a:schemeClr val="tx1"/>
+          </a:fontRef>
+        </p:style>
+      </p:cxnSp>
+      <p:cxnSp>
+        <p:nvCxnSpPr>
+          <p:cNvPr id="7" name="Connecteur droit 6"/>
+          <p:cNvCxnSpPr/>
+          <p:nvPr/>
+        </p:nvCxnSpPr>
+        <p:spPr>
+          <a:xfrm flipV="1">
+            <a:off x="2843808" y="1772816"/>
+            <a:ext cx="0" cy="1368152"/>
+          </a:xfrm>
+          <a:prstGeom prst="line">
+            <a:avLst/>
+          </a:prstGeom>
+          <a:ln w="38100">
+            <a:solidFill>
+              <a:srgbClr val="00B050"/>
+            </a:solidFill>
+            <a:prstDash val="sysDash"/>
+          </a:ln>
+        </p:spPr>
+        <p:style>
+          <a:lnRef idx="1">
+            <a:schemeClr val="accent1"/>
+          </a:lnRef>
+          <a:fillRef idx="0">
+            <a:schemeClr val="accent1"/>
+          </a:fillRef>
+          <a:effectRef idx="0">
+            <a:schemeClr val="accent1"/>
+          </a:effectRef>
+          <a:fontRef idx="minor">
+            <a:schemeClr val="tx1"/>
+          </a:fontRef>
+        </p:style>
+      </p:cxnSp>
+      <p:cxnSp>
+        <p:nvCxnSpPr>
+          <p:cNvPr id="10" name="Connecteur droit 9"/>
+          <p:cNvCxnSpPr/>
+          <p:nvPr/>
+        </p:nvCxnSpPr>
+        <p:spPr>
+          <a:xfrm flipH="1">
+            <a:off x="1475656" y="3140968"/>
+            <a:ext cx="1368152" cy="0"/>
+          </a:xfrm>
+          <a:prstGeom prst="line">
+            <a:avLst/>
+          </a:prstGeom>
+          <a:ln w="38100">
+            <a:solidFill>
+              <a:srgbClr val="00B050"/>
+            </a:solidFill>
+            <a:prstDash val="sysDash"/>
+          </a:ln>
+        </p:spPr>
+        <p:style>
+          <a:lnRef idx="1">
+            <a:schemeClr val="accent1"/>
+          </a:lnRef>
+          <a:fillRef idx="0">
+            <a:schemeClr val="accent1"/>
+          </a:fillRef>
+          <a:effectRef idx="0">
+            <a:schemeClr val="accent1"/>
+          </a:effectRef>
+          <a:fontRef idx="minor">
+            <a:schemeClr val="tx1"/>
+          </a:fontRef>
+        </p:style>
+      </p:cxnSp>
+      <p:cxnSp>
+        <p:nvCxnSpPr>
+          <p:cNvPr id="13" name="Connecteur droit 12"/>
+          <p:cNvCxnSpPr/>
+          <p:nvPr/>
+        </p:nvCxnSpPr>
+        <p:spPr>
+          <a:xfrm>
+            <a:off x="1475656" y="3140968"/>
+            <a:ext cx="0" cy="684076"/>
+          </a:xfrm>
+          <a:prstGeom prst="line">
+            <a:avLst/>
+          </a:prstGeom>
+          <a:ln w="38100">
+            <a:solidFill>
+              <a:srgbClr val="00B050"/>
+            </a:solidFill>
+            <a:prstDash val="sysDash"/>
+          </a:ln>
+        </p:spPr>
+        <p:style>
+          <a:lnRef idx="1">
+            <a:schemeClr val="accent1"/>
+          </a:lnRef>
+          <a:fillRef idx="0">
+            <a:schemeClr val="accent1"/>
+          </a:fillRef>
+          <a:effectRef idx="0">
+            <a:schemeClr val="accent1"/>
+          </a:effectRef>
+          <a:fontRef idx="minor">
+            <a:schemeClr val="tx1"/>
+          </a:fontRef>
+        </p:style>
+      </p:cxnSp>
+      <p:cxnSp>
+        <p:nvCxnSpPr>
+          <p:cNvPr id="14" name="Connecteur droit 13"/>
+          <p:cNvCxnSpPr/>
+          <p:nvPr/>
+        </p:nvCxnSpPr>
+        <p:spPr>
+          <a:xfrm flipV="1">
+            <a:off x="4724400" y="1772816"/>
+            <a:ext cx="0" cy="2052228"/>
+          </a:xfrm>
+          <a:prstGeom prst="line">
+            <a:avLst/>
+          </a:prstGeom>
+          <a:ln w="38100">
+            <a:solidFill>
+              <a:srgbClr val="00B050"/>
+            </a:solidFill>
+            <a:prstDash val="sysDash"/>
+          </a:ln>
+        </p:spPr>
+        <p:style>
+          <a:lnRef idx="1">
+            <a:schemeClr val="accent1"/>
+          </a:lnRef>
+          <a:fillRef idx="0">
+            <a:schemeClr val="accent1"/>
+          </a:fillRef>
+          <a:effectRef idx="0">
+            <a:schemeClr val="accent1"/>
+          </a:effectRef>
+          <a:fontRef idx="minor">
+            <a:schemeClr val="tx1"/>
+          </a:fontRef>
+        </p:style>
+      </p:cxnSp>
+      <p:cxnSp>
+        <p:nvCxnSpPr>
+          <p:cNvPr id="15" name="Connecteur droit 14"/>
+          <p:cNvCxnSpPr/>
+          <p:nvPr/>
+        </p:nvCxnSpPr>
+        <p:spPr>
+          <a:xfrm flipH="1">
+            <a:off x="1475656" y="3825044"/>
+            <a:ext cx="3248744" cy="0"/>
+          </a:xfrm>
+          <a:prstGeom prst="line">
+            <a:avLst/>
+          </a:prstGeom>
+          <a:ln w="38100">
+            <a:solidFill>
+              <a:srgbClr val="00B050"/>
+            </a:solidFill>
+            <a:prstDash val="sysDash"/>
+          </a:ln>
+        </p:spPr>
+        <p:style>
+          <a:lnRef idx="1">
+            <a:schemeClr val="accent1"/>
+          </a:lnRef>
+          <a:fillRef idx="0">
+            <a:schemeClr val="accent1"/>
+          </a:fillRef>
+          <a:effectRef idx="0">
+            <a:schemeClr val="accent1"/>
+          </a:effectRef>
+          <a:fontRef idx="minor">
+            <a:schemeClr val="tx1"/>
+          </a:fontRef>
+        </p:style>
+      </p:cxnSp>
+      <p:sp>
+        <p:nvSpPr>
+          <p:cNvPr id="21" name="ZoneTexte 20"/>
+          <p:cNvSpPr txBox="1"/>
+          <p:nvPr/>
+        </p:nvSpPr>
+        <p:spPr>
+          <a:xfrm>
+            <a:off x="2339752" y="3825044"/>
+            <a:ext cx="2384648" cy="646331"/>
+          </a:xfrm>
+          <a:prstGeom prst="rect">
+            <a:avLst/>
+          </a:prstGeom>
+          <a:noFill/>
+        </p:spPr>
+        <p:txBody>
+          <a:bodyPr wrap="square" rtlCol="0">
+            <a:spAutoFit/>
+          </a:bodyPr>
+          <a:lstStyle/>
+          <a:p>
+            <a:r>
+              <a:rPr lang="fr-FR" b="1" dirty="0" smtClean="0">
+                <a:solidFill>
+                  <a:srgbClr val="00B050"/>
+                </a:solidFill>
+              </a:rPr>
+              <a:t>Asservissement en position du genou</a:t>
+            </a:r>
+            <a:endParaRPr lang="fr-FR" b="1" dirty="0">
+              <a:solidFill>
+                <a:srgbClr val="00B050"/>
+              </a:solidFill>
+            </a:endParaRPr>
+          </a:p>
+        </p:txBody>
+      </p:sp>
+    </p:spTree>
+    <p:extLst>
+      <p:ext uri="{BB962C8B-B14F-4D97-AF65-F5344CB8AC3E}">
+        <p14:creationId xmlns:p14="http://schemas.microsoft.com/office/powerpoint/2010/main" val="3721597842"/>
+      </p:ext>
+    </p:extLst>
+  </p:cSld>
+  <p:clrMapOvr>
+    <a:masterClrMapping/>
+  </p:clrMapOvr>
+</p:sld>
+</file>
+
+<file path=ppt/slides/slide2.xml><?xml version="1.0" encoding="utf-8"?>
 <p:sld xmlns:a="http://schemas.openxmlformats.org/drawingml/2006/main" xmlns:r="http://schemas.openxmlformats.org/officeDocument/2006/relationships" xmlns:p="http://schemas.openxmlformats.org/presentationml/2006/main">
   <p:cSld>
     <p:spTree>
@@ -6906,7 +7232,7 @@
 </p:sld>
 </file>
 
-<file path=ppt/slides/slide2.xml><?xml version="1.0" encoding="utf-8"?>
+<file path=ppt/slides/slide3.xml><?xml version="1.0" encoding="utf-8"?>
 <p:sld xmlns:a="http://schemas.openxmlformats.org/drawingml/2006/main" xmlns:r="http://schemas.openxmlformats.org/officeDocument/2006/relationships" xmlns:p="http://schemas.openxmlformats.org/presentationml/2006/main">
   <p:cSld>
     <p:spTree>
@@ -7519,7 +7845,7 @@
 </p:sld>
 </file>
 
-<file path=ppt/slides/slide3.xml><?xml version="1.0" encoding="utf-8"?>
+<file path=ppt/slides/slide4.xml><?xml version="1.0" encoding="utf-8"?>
 <p:sld xmlns:a="http://schemas.openxmlformats.org/drawingml/2006/main" xmlns:r="http://schemas.openxmlformats.org/officeDocument/2006/relationships" xmlns:p="http://schemas.openxmlformats.org/presentationml/2006/main">
   <p:cSld>
     <p:spTree>
@@ -8368,7 +8694,7 @@
 </p:sld>
 </file>
 
-<file path=ppt/slides/slide4.xml><?xml version="1.0" encoding="utf-8"?>
+<file path=ppt/slides/slide5.xml><?xml version="1.0" encoding="utf-8"?>
 <p:sld xmlns:a="http://schemas.openxmlformats.org/drawingml/2006/main" xmlns:r="http://schemas.openxmlformats.org/officeDocument/2006/relationships" xmlns:p="http://schemas.openxmlformats.org/presentationml/2006/main">
   <p:cSld>
     <p:spTree>
@@ -9031,7 +9357,7 @@
 </p:sld>
 </file>
 
-<file path=ppt/slides/slide5.xml><?xml version="1.0" encoding="utf-8"?>
+<file path=ppt/slides/slide6.xml><?xml version="1.0" encoding="utf-8"?>
 <p:sld xmlns:a="http://schemas.openxmlformats.org/drawingml/2006/main" xmlns:r="http://schemas.openxmlformats.org/officeDocument/2006/relationships" xmlns:p="http://schemas.openxmlformats.org/presentationml/2006/main">
   <p:cSld>
     <p:spTree>
@@ -9924,7 +10250,7 @@
 </p:sld>
 </file>
 
-<file path=ppt/slides/slide6.xml><?xml version="1.0" encoding="utf-8"?>
+<file path=ppt/slides/slide7.xml><?xml version="1.0" encoding="utf-8"?>
 <p:sld xmlns:a="http://schemas.openxmlformats.org/drawingml/2006/main" xmlns:r="http://schemas.openxmlformats.org/officeDocument/2006/relationships" xmlns:p="http://schemas.openxmlformats.org/presentationml/2006/main">
   <p:cSld>
     <p:spTree>
@@ -12491,7 +12817,7 @@
 </p:sld>
 </file>
 
-<file path=ppt/slides/slide7.xml><?xml version="1.0" encoding="utf-8"?>
+<file path=ppt/slides/slide8.xml><?xml version="1.0" encoding="utf-8"?>
 <p:sld xmlns:a="http://schemas.openxmlformats.org/drawingml/2006/main" xmlns:r="http://schemas.openxmlformats.org/officeDocument/2006/relationships" xmlns:p="http://schemas.openxmlformats.org/presentationml/2006/main">
   <p:cSld>
     <p:spTree>
@@ -13030,8 +13356,8 @@
           </a:fontRef>
         </p:style>
       </p:cxnSp>
-      <mc:AlternateContent xmlns:mc="http://schemas.openxmlformats.org/markup-compatibility/2006">
-        <mc:Choice xmlns:a14="http://schemas.microsoft.com/office/drawing/2010/main" Requires="a14">
+      <mc:AlternateContent xmlns:mc="http://schemas.openxmlformats.org/markup-compatibility/2006" xmlns:a14="http://schemas.microsoft.com/office/drawing/2010/main">
+        <mc:Choice Requires="a14">
           <p:sp>
             <p:nvSpPr>
               <p:cNvPr id="31" name="ZoneTexte 30"/>
@@ -13127,7 +13453,7 @@
             </p:txBody>
           </p:sp>
         </mc:Choice>
-        <mc:Fallback>
+        <mc:Fallback xmlns="">
           <p:sp>
             <p:nvSpPr>
               <p:cNvPr id="31" name="ZoneTexte 30"/>
@@ -13166,8 +13492,8 @@
           </p:sp>
         </mc:Fallback>
       </mc:AlternateContent>
-      <mc:AlternateContent xmlns:mc="http://schemas.openxmlformats.org/markup-compatibility/2006">
-        <mc:Choice xmlns:a14="http://schemas.microsoft.com/office/drawing/2010/main" Requires="a14">
+      <mc:AlternateContent xmlns:mc="http://schemas.openxmlformats.org/markup-compatibility/2006" xmlns:a14="http://schemas.microsoft.com/office/drawing/2010/main">
+        <mc:Choice Requires="a14">
           <p:sp>
             <p:nvSpPr>
               <p:cNvPr id="32" name="ZoneTexte 31"/>
@@ -13263,7 +13589,7 @@
             </p:txBody>
           </p:sp>
         </mc:Choice>
-        <mc:Fallback>
+        <mc:Fallback xmlns="">
           <p:sp>
             <p:nvSpPr>
               <p:cNvPr id="32" name="ZoneTexte 31"/>
@@ -13302,8 +13628,8 @@
           </p:sp>
         </mc:Fallback>
       </mc:AlternateContent>
-      <mc:AlternateContent xmlns:mc="http://schemas.openxmlformats.org/markup-compatibility/2006">
-        <mc:Choice xmlns:a14="http://schemas.microsoft.com/office/drawing/2010/main" Requires="a14">
+      <mc:AlternateContent xmlns:mc="http://schemas.openxmlformats.org/markup-compatibility/2006" xmlns:a14="http://schemas.microsoft.com/office/drawing/2010/main">
+        <mc:Choice Requires="a14">
           <p:sp>
             <p:nvSpPr>
               <p:cNvPr id="33" name="ZoneTexte 32"/>
@@ -13399,7 +13725,7 @@
             </p:txBody>
           </p:sp>
         </mc:Choice>
-        <mc:Fallback>
+        <mc:Fallback xmlns="">
           <p:sp>
             <p:nvSpPr>
               <p:cNvPr id="33" name="ZoneTexte 32"/>
@@ -13438,8 +13764,8 @@
           </p:sp>
         </mc:Fallback>
       </mc:AlternateContent>
-      <mc:AlternateContent xmlns:mc="http://schemas.openxmlformats.org/markup-compatibility/2006">
-        <mc:Choice xmlns:a14="http://schemas.microsoft.com/office/drawing/2010/main" Requires="a14">
+      <mc:AlternateContent xmlns:mc="http://schemas.openxmlformats.org/markup-compatibility/2006" xmlns:a14="http://schemas.microsoft.com/office/drawing/2010/main">
+        <mc:Choice Requires="a14">
           <p:sp>
             <p:nvSpPr>
               <p:cNvPr id="34" name="ZoneTexte 33"/>
@@ -13523,7 +13849,7 @@
             </p:txBody>
           </p:sp>
         </mc:Choice>
-        <mc:Fallback>
+        <mc:Fallback xmlns="">
           <p:sp>
             <p:nvSpPr>
               <p:cNvPr id="34" name="ZoneTexte 33"/>
